--- a/assets/img/video_overlay.pptx
+++ b/assets/img/video_overlay.pptx
@@ -259,7 +259,7 @@
           <a:p>
             <a:fld id="{3CB83AAA-B088-46BE-BC2D-2C0E3E9D3F63}" type="datetimeFigureOut">
               <a:rPr lang="en-US" smtClean="0"/>
-              <a:t>11/16/2020</a:t>
+              <a:t>11/17/2020</a:t>
             </a:fld>
             <a:endParaRPr lang="en-US"/>
           </a:p>
@@ -457,7 +457,7 @@
           <a:p>
             <a:fld id="{3CB83AAA-B088-46BE-BC2D-2C0E3E9D3F63}" type="datetimeFigureOut">
               <a:rPr lang="en-US" smtClean="0"/>
-              <a:t>11/16/2020</a:t>
+              <a:t>11/17/2020</a:t>
             </a:fld>
             <a:endParaRPr lang="en-US"/>
           </a:p>
@@ -665,7 +665,7 @@
           <a:p>
             <a:fld id="{3CB83AAA-B088-46BE-BC2D-2C0E3E9D3F63}" type="datetimeFigureOut">
               <a:rPr lang="en-US" smtClean="0"/>
-              <a:t>11/16/2020</a:t>
+              <a:t>11/17/2020</a:t>
             </a:fld>
             <a:endParaRPr lang="en-US"/>
           </a:p>
@@ -863,7 +863,7 @@
           <a:p>
             <a:fld id="{3CB83AAA-B088-46BE-BC2D-2C0E3E9D3F63}" type="datetimeFigureOut">
               <a:rPr lang="en-US" smtClean="0"/>
-              <a:t>11/16/2020</a:t>
+              <a:t>11/17/2020</a:t>
             </a:fld>
             <a:endParaRPr lang="en-US"/>
           </a:p>
@@ -1138,7 +1138,7 @@
           <a:p>
             <a:fld id="{3CB83AAA-B088-46BE-BC2D-2C0E3E9D3F63}" type="datetimeFigureOut">
               <a:rPr lang="en-US" smtClean="0"/>
-              <a:t>11/16/2020</a:t>
+              <a:t>11/17/2020</a:t>
             </a:fld>
             <a:endParaRPr lang="en-US"/>
           </a:p>
@@ -1403,7 +1403,7 @@
           <a:p>
             <a:fld id="{3CB83AAA-B088-46BE-BC2D-2C0E3E9D3F63}" type="datetimeFigureOut">
               <a:rPr lang="en-US" smtClean="0"/>
-              <a:t>11/16/2020</a:t>
+              <a:t>11/17/2020</a:t>
             </a:fld>
             <a:endParaRPr lang="en-US"/>
           </a:p>
@@ -1815,7 +1815,7 @@
           <a:p>
             <a:fld id="{3CB83AAA-B088-46BE-BC2D-2C0E3E9D3F63}" type="datetimeFigureOut">
               <a:rPr lang="en-US" smtClean="0"/>
-              <a:t>11/16/2020</a:t>
+              <a:t>11/17/2020</a:t>
             </a:fld>
             <a:endParaRPr lang="en-US"/>
           </a:p>
@@ -1956,7 +1956,7 @@
           <a:p>
             <a:fld id="{3CB83AAA-B088-46BE-BC2D-2C0E3E9D3F63}" type="datetimeFigureOut">
               <a:rPr lang="en-US" smtClean="0"/>
-              <a:t>11/16/2020</a:t>
+              <a:t>11/17/2020</a:t>
             </a:fld>
             <a:endParaRPr lang="en-US"/>
           </a:p>
@@ -2069,7 +2069,7 @@
           <a:p>
             <a:fld id="{3CB83AAA-B088-46BE-BC2D-2C0E3E9D3F63}" type="datetimeFigureOut">
               <a:rPr lang="en-US" smtClean="0"/>
-              <a:t>11/16/2020</a:t>
+              <a:t>11/17/2020</a:t>
             </a:fld>
             <a:endParaRPr lang="en-US"/>
           </a:p>
@@ -2380,7 +2380,7 @@
           <a:p>
             <a:fld id="{3CB83AAA-B088-46BE-BC2D-2C0E3E9D3F63}" type="datetimeFigureOut">
               <a:rPr lang="en-US" smtClean="0"/>
-              <a:t>11/16/2020</a:t>
+              <a:t>11/17/2020</a:t>
             </a:fld>
             <a:endParaRPr lang="en-US"/>
           </a:p>
@@ -2668,7 +2668,7 @@
           <a:p>
             <a:fld id="{3CB83AAA-B088-46BE-BC2D-2C0E3E9D3F63}" type="datetimeFigureOut">
               <a:rPr lang="en-US" smtClean="0"/>
-              <a:t>11/16/2020</a:t>
+              <a:t>11/17/2020</a:t>
             </a:fld>
             <a:endParaRPr lang="en-US"/>
           </a:p>
@@ -2909,7 +2909,7 @@
           <a:p>
             <a:fld id="{3CB83AAA-B088-46BE-BC2D-2C0E3E9D3F63}" type="datetimeFigureOut">
               <a:rPr lang="en-US" smtClean="0"/>
-              <a:t>11/16/2020</a:t>
+              <a:t>11/17/2020</a:t>
             </a:fld>
             <a:endParaRPr lang="en-US"/>
           </a:p>
@@ -3378,10 +3378,10 @@
       </p:sp>
       <p:pic>
         <p:nvPicPr>
-          <p:cNvPr id="7" name="Picture 6">
-            <a:extLst>
-              <a:ext uri="{FF2B5EF4-FFF2-40B4-BE49-F238E27FC236}">
-                <a16:creationId xmlns:a16="http://schemas.microsoft.com/office/drawing/2014/main" id="{6752B36C-747A-4A99-A1C8-25CE7E21F0CF}"/>
+          <p:cNvPr id="8" name="Picture 7">
+            <a:extLst>
+              <a:ext uri="{FF2B5EF4-FFF2-40B4-BE49-F238E27FC236}">
+                <a16:creationId xmlns:a16="http://schemas.microsoft.com/office/drawing/2014/main" id="{01494533-060A-4170-8BC3-EFE41574C48C}"/>
               </a:ext>
             </a:extLst>
           </p:cNvPr>
@@ -3404,8 +3404,8 @@
         </p:blipFill>
         <p:spPr>
           <a:xfrm>
-            <a:off x="125583" y="6328109"/>
-            <a:ext cx="521467" cy="476911"/>
+            <a:off x="1237432" y="1136681"/>
+            <a:ext cx="9557262" cy="4826797"/>
           </a:xfrm>
           <a:prstGeom prst="rect">
             <a:avLst/>
@@ -3414,10 +3414,10 @@
       </p:pic>
       <p:pic>
         <p:nvPicPr>
-          <p:cNvPr id="9" name="Picture 8">
-            <a:extLst>
-              <a:ext uri="{FF2B5EF4-FFF2-40B4-BE49-F238E27FC236}">
-                <a16:creationId xmlns:a16="http://schemas.microsoft.com/office/drawing/2014/main" id="{68268224-0DCF-4EF7-ADF9-B783B14845C5}"/>
+          <p:cNvPr id="3" name="Picture 2">
+            <a:extLst>
+              <a:ext uri="{FF2B5EF4-FFF2-40B4-BE49-F238E27FC236}">
+                <a16:creationId xmlns:a16="http://schemas.microsoft.com/office/drawing/2014/main" id="{DA3FB966-17B9-4A67-AAF8-D5F8611684B1}"/>
               </a:ext>
             </a:extLst>
           </p:cNvPr>
@@ -3427,21 +3427,15 @@
           <p:nvPr/>
         </p:nvPicPr>
         <p:blipFill>
-          <a:blip r:embed="rId3">
-            <a:extLst>
-              <a:ext uri="{28A0092B-C50C-407E-A947-70E740481C1C}">
-                <a14:useLocalDpi xmlns:a14="http://schemas.microsoft.com/office/drawing/2010/main" val="0"/>
-              </a:ext>
-            </a:extLst>
-          </a:blip>
+          <a:blip r:embed="rId3"/>
           <a:stretch>
             <a:fillRect/>
           </a:stretch>
         </p:blipFill>
         <p:spPr>
           <a:xfrm>
-            <a:off x="772633" y="6328455"/>
-            <a:ext cx="2217484" cy="476565"/>
+            <a:off x="8824623" y="6483524"/>
+            <a:ext cx="3367377" cy="374476"/>
           </a:xfrm>
           <a:prstGeom prst="rect">
             <a:avLst/>
@@ -3450,10 +3444,10 @@
       </p:pic>
       <p:pic>
         <p:nvPicPr>
-          <p:cNvPr id="11" name="Picture 10">
-            <a:extLst>
-              <a:ext uri="{FF2B5EF4-FFF2-40B4-BE49-F238E27FC236}">
-                <a16:creationId xmlns:a16="http://schemas.microsoft.com/office/drawing/2014/main" id="{74E743B8-CFF8-4ADC-8E51-FCA849622BB2}"/>
+          <p:cNvPr id="4" name="Picture 3">
+            <a:extLst>
+              <a:ext uri="{FF2B5EF4-FFF2-40B4-BE49-F238E27FC236}">
+                <a16:creationId xmlns:a16="http://schemas.microsoft.com/office/drawing/2014/main" id="{F7F4DF04-0DA8-48AB-B2B7-FA303849EDFA}"/>
               </a:ext>
             </a:extLst>
           </p:cNvPr>
@@ -3463,129 +3457,15 @@
           <p:nvPr/>
         </p:nvPicPr>
         <p:blipFill>
-          <a:blip r:embed="rId4">
-            <a:extLst>
-              <a:ext uri="{28A0092B-C50C-407E-A947-70E740481C1C}">
-                <a14:useLocalDpi xmlns:a14="http://schemas.microsoft.com/office/drawing/2010/main" val="0"/>
-              </a:ext>
-            </a:extLst>
-          </a:blip>
+          <a:blip r:embed="rId4"/>
           <a:stretch>
             <a:fillRect/>
           </a:stretch>
         </p:blipFill>
         <p:spPr>
           <a:xfrm>
-            <a:off x="6995686" y="6328109"/>
-            <a:ext cx="510870" cy="476911"/>
-          </a:xfrm>
-          <a:prstGeom prst="rect">
-            <a:avLst/>
-          </a:prstGeom>
-        </p:spPr>
-      </p:pic>
-      <p:pic>
-        <p:nvPicPr>
-          <p:cNvPr id="13" name="Picture 12">
-            <a:extLst>
-              <a:ext uri="{FF2B5EF4-FFF2-40B4-BE49-F238E27FC236}">
-                <a16:creationId xmlns:a16="http://schemas.microsoft.com/office/drawing/2014/main" id="{CE14D5AB-24EC-4EC1-B1EE-F68DD495689A}"/>
-              </a:ext>
-            </a:extLst>
-          </p:cNvPr>
-          <p:cNvPicPr>
-            <a:picLocks noChangeAspect="1"/>
-          </p:cNvPicPr>
-          <p:nvPr/>
-        </p:nvPicPr>
-        <p:blipFill>
-          <a:blip r:embed="rId5">
-            <a:extLst>
-              <a:ext uri="{28A0092B-C50C-407E-A947-70E740481C1C}">
-                <a14:useLocalDpi xmlns:a14="http://schemas.microsoft.com/office/drawing/2010/main" val="0"/>
-              </a:ext>
-            </a:extLst>
-          </a:blip>
-          <a:stretch>
-            <a:fillRect/>
-          </a:stretch>
-        </p:blipFill>
-        <p:spPr>
-          <a:xfrm>
-            <a:off x="7632139" y="6328109"/>
-            <a:ext cx="4434278" cy="470302"/>
-          </a:xfrm>
-          <a:prstGeom prst="rect">
-            <a:avLst/>
-          </a:prstGeom>
-        </p:spPr>
-      </p:pic>
-      <p:pic>
-        <p:nvPicPr>
-          <p:cNvPr id="15" name="Picture 14">
-            <a:extLst>
-              <a:ext uri="{FF2B5EF4-FFF2-40B4-BE49-F238E27FC236}">
-                <a16:creationId xmlns:a16="http://schemas.microsoft.com/office/drawing/2014/main" id="{5CA6A4A0-CAE5-4BD0-8733-584789004EEB}"/>
-              </a:ext>
-            </a:extLst>
-          </p:cNvPr>
-          <p:cNvPicPr>
-            <a:picLocks noChangeAspect="1"/>
-          </p:cNvPicPr>
-          <p:nvPr/>
-        </p:nvPicPr>
-        <p:blipFill>
-          <a:blip r:embed="rId6">
-            <a:extLst>
-              <a:ext uri="{28A0092B-C50C-407E-A947-70E740481C1C}">
-                <a14:useLocalDpi xmlns:a14="http://schemas.microsoft.com/office/drawing/2010/main" val="0"/>
-              </a:ext>
-            </a:extLst>
-          </a:blip>
-          <a:stretch>
-            <a:fillRect/>
-          </a:stretch>
-        </p:blipFill>
-        <p:spPr>
-          <a:xfrm>
-            <a:off x="1237432" y="1083630"/>
-            <a:ext cx="4603701" cy="2704091"/>
-          </a:xfrm>
-          <a:prstGeom prst="rect">
-            <a:avLst/>
-          </a:prstGeom>
-        </p:spPr>
-      </p:pic>
-      <p:pic>
-        <p:nvPicPr>
-          <p:cNvPr id="17" name="Picture 16">
-            <a:extLst>
-              <a:ext uri="{FF2B5EF4-FFF2-40B4-BE49-F238E27FC236}">
-                <a16:creationId xmlns:a16="http://schemas.microsoft.com/office/drawing/2014/main" id="{DD8E39E6-00E0-46D8-A52B-669DAFFB54B2}"/>
-              </a:ext>
-            </a:extLst>
-          </p:cNvPr>
-          <p:cNvPicPr>
-            <a:picLocks noChangeAspect="1"/>
-          </p:cNvPicPr>
-          <p:nvPr/>
-        </p:nvPicPr>
-        <p:blipFill>
-          <a:blip r:embed="rId7">
-            <a:extLst>
-              <a:ext uri="{28A0092B-C50C-407E-A947-70E740481C1C}">
-                <a14:useLocalDpi xmlns:a14="http://schemas.microsoft.com/office/drawing/2010/main" val="0"/>
-              </a:ext>
-            </a:extLst>
-          </a:blip>
-          <a:stretch>
-            <a:fillRect/>
-          </a:stretch>
-        </p:blipFill>
-        <p:spPr>
-          <a:xfrm>
-            <a:off x="6909865" y="3300057"/>
-            <a:ext cx="3967685" cy="2704091"/>
+            <a:off x="0" y="6483524"/>
+            <a:ext cx="1935239" cy="374476"/>
           </a:xfrm>
           <a:prstGeom prst="rect">
             <a:avLst/>
